--- a/2024_05 Poster_Novak.pptx
+++ b/2024_05 Poster_Novak.pptx
@@ -4443,17 +4443,17 @@
                 <a:latin typeface="Lato" panose="020F0502020204030203" pitchFamily="34" charset="0"/>
                 <a:cs typeface="Segoe UI" panose="020B0502040204020203" pitchFamily="34" charset="0"/>
               </a:rPr>
-              <a:t>University of Applied Sciences Northwestern </a:t>
-            </a:r>
-            <a:r>
-              <a:rPr lang="cs-CZ" sz="3600" i="1" dirty="0">
-                <a:latin typeface="Lato" panose="020F0502020204030203" pitchFamily="34" charset="0"/>
-                <a:cs typeface="Segoe UI" panose="020B0502040204020203" pitchFamily="34" charset="0"/>
-              </a:rPr>
-              <a:t>  	</a:t>
-            </a:r>
-            <a:r>
-              <a:rPr lang="en-US" sz="3600" i="1" dirty="0">
+              <a:t>University of Applied Sciences Northwestern</a:t>
+            </a:r>
+            <a:r>
+              <a:rPr lang="cs-CZ" sz="3600" i="1">
+                <a:latin typeface="Lato" panose="020F0502020204030203" pitchFamily="34" charset="0"/>
+                <a:cs typeface="Segoe UI" panose="020B0502040204020203" pitchFamily="34" charset="0"/>
+              </a:rPr>
+              <a:t> 	</a:t>
+            </a:r>
+            <a:r>
+              <a:rPr lang="en-US" sz="3600" i="1">
                 <a:latin typeface="Lato" panose="020F0502020204030203" pitchFamily="34" charset="0"/>
                 <a:cs typeface="Segoe UI" panose="020B0502040204020203" pitchFamily="34" charset="0"/>
               </a:rPr>

--- a/2024_05 Poster_Novak.pptx
+++ b/2024_05 Poster_Novak.pptx
@@ -309,7 +309,7 @@
           <a:p>
             <a:fld id="{BD1CB04D-1C75-43E0-9B64-B7DDAA42BB2C}" type="datetimeFigureOut">
               <a:rPr lang="en-US" smtClean="0"/>
-              <a:t>5/14/2024</a:t>
+              <a:t>5/16/2024</a:t>
             </a:fld>
             <a:endParaRPr lang="en-US" dirty="0"/>
           </a:p>
@@ -795,7 +795,7 @@
           <a:p>
             <a:fld id="{3F135061-2F74-46D4-9F8F-C77EF304855D}" type="datetimeFigureOut">
               <a:rPr lang="en-US" smtClean="0"/>
-              <a:t>5/14/2024</a:t>
+              <a:t>5/16/2024</a:t>
             </a:fld>
             <a:endParaRPr lang="en-US" dirty="0"/>
           </a:p>
@@ -965,7 +965,7 @@
           <a:p>
             <a:fld id="{3F135061-2F74-46D4-9F8F-C77EF304855D}" type="datetimeFigureOut">
               <a:rPr lang="en-US" smtClean="0"/>
-              <a:t>5/14/2024</a:t>
+              <a:t>5/16/2024</a:t>
             </a:fld>
             <a:endParaRPr lang="en-US" dirty="0"/>
           </a:p>
@@ -1145,7 +1145,7 @@
           <a:p>
             <a:fld id="{3F135061-2F74-46D4-9F8F-C77EF304855D}" type="datetimeFigureOut">
               <a:rPr lang="en-US" smtClean="0"/>
-              <a:t>5/14/2024</a:t>
+              <a:t>5/16/2024</a:t>
             </a:fld>
             <a:endParaRPr lang="en-US" dirty="0"/>
           </a:p>
@@ -1315,7 +1315,7 @@
           <a:p>
             <a:fld id="{3F135061-2F74-46D4-9F8F-C77EF304855D}" type="datetimeFigureOut">
               <a:rPr lang="en-US" smtClean="0"/>
-              <a:t>5/14/2024</a:t>
+              <a:t>5/16/2024</a:t>
             </a:fld>
             <a:endParaRPr lang="en-US" dirty="0"/>
           </a:p>
@@ -1559,7 +1559,7 @@
           <a:p>
             <a:fld id="{3F135061-2F74-46D4-9F8F-C77EF304855D}" type="datetimeFigureOut">
               <a:rPr lang="en-US" smtClean="0"/>
-              <a:t>5/14/2024</a:t>
+              <a:t>5/16/2024</a:t>
             </a:fld>
             <a:endParaRPr lang="en-US" dirty="0"/>
           </a:p>
@@ -1791,7 +1791,7 @@
           <a:p>
             <a:fld id="{3F135061-2F74-46D4-9F8F-C77EF304855D}" type="datetimeFigureOut">
               <a:rPr lang="en-US" smtClean="0"/>
-              <a:t>5/14/2024</a:t>
+              <a:t>5/16/2024</a:t>
             </a:fld>
             <a:endParaRPr lang="en-US" dirty="0"/>
           </a:p>
@@ -2158,7 +2158,7 @@
           <a:p>
             <a:fld id="{3F135061-2F74-46D4-9F8F-C77EF304855D}" type="datetimeFigureOut">
               <a:rPr lang="en-US" smtClean="0"/>
-              <a:t>5/14/2024</a:t>
+              <a:t>5/16/2024</a:t>
             </a:fld>
             <a:endParaRPr lang="en-US" dirty="0"/>
           </a:p>
@@ -2276,7 +2276,7 @@
           <a:p>
             <a:fld id="{3F135061-2F74-46D4-9F8F-C77EF304855D}" type="datetimeFigureOut">
               <a:rPr lang="en-US" smtClean="0"/>
-              <a:t>5/14/2024</a:t>
+              <a:t>5/16/2024</a:t>
             </a:fld>
             <a:endParaRPr lang="en-US" dirty="0"/>
           </a:p>
@@ -2371,7 +2371,7 @@
           <a:p>
             <a:fld id="{3F135061-2F74-46D4-9F8F-C77EF304855D}" type="datetimeFigureOut">
               <a:rPr lang="en-US" smtClean="0"/>
-              <a:t>5/14/2024</a:t>
+              <a:t>5/16/2024</a:t>
             </a:fld>
             <a:endParaRPr lang="en-US" dirty="0"/>
           </a:p>
@@ -2648,7 +2648,7 @@
           <a:p>
             <a:fld id="{3F135061-2F74-46D4-9F8F-C77EF304855D}" type="datetimeFigureOut">
               <a:rPr lang="en-US" smtClean="0"/>
-              <a:t>5/14/2024</a:t>
+              <a:t>5/16/2024</a:t>
             </a:fld>
             <a:endParaRPr lang="en-US" dirty="0"/>
           </a:p>
@@ -2904,7 +2904,7 @@
           <a:p>
             <a:fld id="{3F135061-2F74-46D4-9F8F-C77EF304855D}" type="datetimeFigureOut">
               <a:rPr lang="en-US" smtClean="0"/>
-              <a:t>5/14/2024</a:t>
+              <a:t>5/16/2024</a:t>
             </a:fld>
             <a:endParaRPr lang="en-US" dirty="0"/>
           </a:p>
@@ -3117,7 +3117,7 @@
           <a:p>
             <a:fld id="{3F135061-2F74-46D4-9F8F-C77EF304855D}" type="datetimeFigureOut">
               <a:rPr lang="en-US" smtClean="0"/>
-              <a:t>5/14/2024</a:t>
+              <a:t>5/16/2024</a:t>
             </a:fld>
             <a:endParaRPr lang="en-US" dirty="0"/>
           </a:p>
@@ -3836,7 +3836,28 @@
                 <a:latin typeface="Lato" panose="020F0502020204030203" pitchFamily="34" charset="0"/>
                 <a:cs typeface="Segoe UI" panose="020B0502040204020203" pitchFamily="34" charset="0"/>
               </a:rPr>
-              <a:t>These datasets are also an invaluable source of information for researchers in fields such as demographics, medicine, psychology transportation, and many more.</a:t>
+              <a:t>These datasets are also an invaluable source of information for researchers in fields such as demographics, medicine, psychology transportation, social science, economics</a:t>
+            </a:r>
+            <a:r>
+              <a:rPr lang="cs-CZ" sz="3600">
+                <a:latin typeface="Lato" panose="020F0502020204030203" pitchFamily="34" charset="0"/>
+                <a:cs typeface="Segoe UI" panose="020B0502040204020203" pitchFamily="34" charset="0"/>
+              </a:rPr>
+              <a:t> </a:t>
+            </a:r>
+            <a:r>
+              <a:rPr lang="en-US" sz="3600">
+                <a:latin typeface="Lato" panose="020F0502020204030203" pitchFamily="34" charset="0"/>
+                <a:cs typeface="Segoe UI" panose="020B0502040204020203" pitchFamily="34" charset="0"/>
+              </a:rPr>
+              <a:t>and </a:t>
+            </a:r>
+            <a:r>
+              <a:rPr lang="en-US" sz="3600" dirty="0">
+                <a:latin typeface="Lato" panose="020F0502020204030203" pitchFamily="34" charset="0"/>
+                <a:cs typeface="Segoe UI" panose="020B0502040204020203" pitchFamily="34" charset="0"/>
+              </a:rPr>
+              <a:t>many more.</a:t>
             </a:r>
           </a:p>
           <a:p>

--- a/2024_05 Poster_Novak.pptx
+++ b/2024_05 Poster_Novak.pptx
@@ -201,32 +201,6 @@
 </p188:authorLst>
 </file>
 
-<file path=ppt/comments/modernComment_132_C6FECDCD.xml><?xml version="1.0" encoding="utf-8"?>
-<p188:cmLst xmlns:a="http://schemas.openxmlformats.org/drawingml/2006/main" xmlns:r="http://schemas.openxmlformats.org/officeDocument/2006/relationships" xmlns:p188="http://schemas.microsoft.com/office/powerpoint/2018/8/main">
-  <p188:cm id="{BD1F333F-9AF9-4218-8374-FB4C580D40D0}" authorId="{DEA01912-C6CC-9C82-E2A6-53296205E0A0}" created="2024-05-12T21:22:55.564">
-    <ac:txMkLst xmlns:ac="http://schemas.microsoft.com/office/drawing/2013/main/command">
-      <pc:docMk xmlns:pc="http://schemas.microsoft.com/office/powerpoint/2013/main/command"/>
-      <pc:sldMk xmlns:pc="http://schemas.microsoft.com/office/powerpoint/2013/main/command" cId="3338587597" sldId="306"/>
-      <ac:spMk id="7" creationId="{FCAC4B58-8623-4DBE-951A-DDF821787031}"/>
-      <ac:txMk cp="738">
-        <ac:context len="966" hash="438357082"/>
-      </ac:txMk>
-    </ac:txMkLst>
-    <p188:pos x="12250759" y="8344511"/>
-    <p188:txBody>
-      <a:bodyPr/>
-      <a:lstStyle/>
-      <a:p>
-        <a:r>
-          <a:rPr lang="en-US"/>
-          <a:t>Nowok [2016] synthpop - Bespoke Creation of Synthetic Data in R</a:t>
-        </a:r>
-      </a:p>
-    </p188:txBody>
-  </p188:cm>
-</p188:cmLst>
-</file>
-
 <file path=ppt/notesMasters/notesMaster1.xml><?xml version="1.0" encoding="utf-8"?>
 <p:notesMaster xmlns:a="http://schemas.openxmlformats.org/drawingml/2006/main" xmlns:r="http://schemas.openxmlformats.org/officeDocument/2006/relationships" xmlns:p="http://schemas.openxmlformats.org/presentationml/2006/main">
   <p:cSld>
@@ -309,7 +283,7 @@
           <a:p>
             <a:fld id="{BD1CB04D-1C75-43E0-9B64-B7DDAA42BB2C}" type="datetimeFigureOut">
               <a:rPr lang="en-US" smtClean="0"/>
-              <a:t>5/16/2024</a:t>
+              <a:t>5/19/2024</a:t>
             </a:fld>
             <a:endParaRPr lang="en-US" dirty="0"/>
           </a:p>
@@ -795,7 +769,7 @@
           <a:p>
             <a:fld id="{3F135061-2F74-46D4-9F8F-C77EF304855D}" type="datetimeFigureOut">
               <a:rPr lang="en-US" smtClean="0"/>
-              <a:t>5/16/2024</a:t>
+              <a:t>5/19/2024</a:t>
             </a:fld>
             <a:endParaRPr lang="en-US" dirty="0"/>
           </a:p>
@@ -965,7 +939,7 @@
           <a:p>
             <a:fld id="{3F135061-2F74-46D4-9F8F-C77EF304855D}" type="datetimeFigureOut">
               <a:rPr lang="en-US" smtClean="0"/>
-              <a:t>5/16/2024</a:t>
+              <a:t>5/19/2024</a:t>
             </a:fld>
             <a:endParaRPr lang="en-US" dirty="0"/>
           </a:p>
@@ -1145,7 +1119,7 @@
           <a:p>
             <a:fld id="{3F135061-2F74-46D4-9F8F-C77EF304855D}" type="datetimeFigureOut">
               <a:rPr lang="en-US" smtClean="0"/>
-              <a:t>5/16/2024</a:t>
+              <a:t>5/19/2024</a:t>
             </a:fld>
             <a:endParaRPr lang="en-US" dirty="0"/>
           </a:p>
@@ -1315,7 +1289,7 @@
           <a:p>
             <a:fld id="{3F135061-2F74-46D4-9F8F-C77EF304855D}" type="datetimeFigureOut">
               <a:rPr lang="en-US" smtClean="0"/>
-              <a:t>5/16/2024</a:t>
+              <a:t>5/19/2024</a:t>
             </a:fld>
             <a:endParaRPr lang="en-US" dirty="0"/>
           </a:p>
@@ -1559,7 +1533,7 @@
           <a:p>
             <a:fld id="{3F135061-2F74-46D4-9F8F-C77EF304855D}" type="datetimeFigureOut">
               <a:rPr lang="en-US" smtClean="0"/>
-              <a:t>5/16/2024</a:t>
+              <a:t>5/19/2024</a:t>
             </a:fld>
             <a:endParaRPr lang="en-US" dirty="0"/>
           </a:p>
@@ -1791,7 +1765,7 @@
           <a:p>
             <a:fld id="{3F135061-2F74-46D4-9F8F-C77EF304855D}" type="datetimeFigureOut">
               <a:rPr lang="en-US" smtClean="0"/>
-              <a:t>5/16/2024</a:t>
+              <a:t>5/19/2024</a:t>
             </a:fld>
             <a:endParaRPr lang="en-US" dirty="0"/>
           </a:p>
@@ -2158,7 +2132,7 @@
           <a:p>
             <a:fld id="{3F135061-2F74-46D4-9F8F-C77EF304855D}" type="datetimeFigureOut">
               <a:rPr lang="en-US" smtClean="0"/>
-              <a:t>5/16/2024</a:t>
+              <a:t>5/19/2024</a:t>
             </a:fld>
             <a:endParaRPr lang="en-US" dirty="0"/>
           </a:p>
@@ -2276,7 +2250,7 @@
           <a:p>
             <a:fld id="{3F135061-2F74-46D4-9F8F-C77EF304855D}" type="datetimeFigureOut">
               <a:rPr lang="en-US" smtClean="0"/>
-              <a:t>5/16/2024</a:t>
+              <a:t>5/19/2024</a:t>
             </a:fld>
             <a:endParaRPr lang="en-US" dirty="0"/>
           </a:p>
@@ -2371,7 +2345,7 @@
           <a:p>
             <a:fld id="{3F135061-2F74-46D4-9F8F-C77EF304855D}" type="datetimeFigureOut">
               <a:rPr lang="en-US" smtClean="0"/>
-              <a:t>5/16/2024</a:t>
+              <a:t>5/19/2024</a:t>
             </a:fld>
             <a:endParaRPr lang="en-US" dirty="0"/>
           </a:p>
@@ -2648,7 +2622,7 @@
           <a:p>
             <a:fld id="{3F135061-2F74-46D4-9F8F-C77EF304855D}" type="datetimeFigureOut">
               <a:rPr lang="en-US" smtClean="0"/>
-              <a:t>5/16/2024</a:t>
+              <a:t>5/19/2024</a:t>
             </a:fld>
             <a:endParaRPr lang="en-US" dirty="0"/>
           </a:p>
@@ -2904,7 +2878,7 @@
           <a:p>
             <a:fld id="{3F135061-2F74-46D4-9F8F-C77EF304855D}" type="datetimeFigureOut">
               <a:rPr lang="en-US" smtClean="0"/>
-              <a:t>5/16/2024</a:t>
+              <a:t>5/19/2024</a:t>
             </a:fld>
             <a:endParaRPr lang="en-US" dirty="0"/>
           </a:p>
@@ -3117,7 +3091,7 @@
           <a:p>
             <a:fld id="{3F135061-2F74-46D4-9F8F-C77EF304855D}" type="datetimeFigureOut">
               <a:rPr lang="en-US" smtClean="0"/>
-              <a:t>5/16/2024</a:t>
+              <a:t>5/19/2024</a:t>
             </a:fld>
             <a:endParaRPr lang="en-US" dirty="0"/>
           </a:p>
@@ -3607,7 +3581,7 @@
           <p:nvPr/>
         </p:nvPicPr>
         <p:blipFill>
-          <a:blip r:embed="rId4">
+          <a:blip r:embed="rId3">
             <a:extLst>
               <a:ext uri="{28A0092B-C50C-407E-A947-70E740481C1C}">
                 <a14:useLocalDpi xmlns:a14="http://schemas.microsoft.com/office/drawing/2010/main" val="0"/>
@@ -3620,8 +3594,8 @@
         </p:blipFill>
         <p:spPr>
           <a:xfrm>
-            <a:off x="18916825" y="24692119"/>
-            <a:ext cx="5177729" cy="5177729"/>
+            <a:off x="19967729" y="26855461"/>
+            <a:ext cx="3607012" cy="3607012"/>
           </a:xfrm>
           <a:prstGeom prst="rect">
             <a:avLst/>
@@ -3716,8 +3690,8 @@
         </p:nvSpPr>
         <p:spPr>
           <a:xfrm>
-            <a:off x="14673900" y="534018"/>
-            <a:ext cx="20017239" cy="12148473"/>
+            <a:off x="13806805" y="301445"/>
+            <a:ext cx="21736319" cy="1907341"/>
           </a:xfrm>
         </p:spPr>
         <p:txBody>
@@ -3728,11 +3702,11 @@
           <a:p>
             <a:pPr>
               <a:lnSpc>
-                <a:spcPct val="150000"/>
+                <a:spcPct val="100000"/>
               </a:lnSpc>
             </a:pPr>
             <a:r>
-              <a:rPr lang="en-US" sz="12500" dirty="0">
+              <a:rPr lang="en-US" sz="9600" dirty="0">
                 <a:solidFill>
                   <a:schemeClr val="bg1"/>
                 </a:solidFill>
@@ -3740,26 +3714,8 @@
                 <a:ea typeface="Segoe UI Black" panose="020B0A02040204020203" pitchFamily="34" charset="0"/>
                 <a:cs typeface="Segoe UI" panose="020B0502040204020203" pitchFamily="34" charset="0"/>
               </a:rPr>
-              <a:t>  Illustrative example</a:t>
-            </a:r>
-            <a:br>
-              <a:rPr lang="en-US" sz="12500" dirty="0">
-                <a:solidFill>
-                  <a:schemeClr val="bg1"/>
-                </a:solidFill>
-                <a:latin typeface="Lato Black" panose="020F0A02020204030203" pitchFamily="34" charset="0"/>
-                <a:ea typeface="Segoe UI Black" panose="020B0A02040204020203" pitchFamily="34" charset="0"/>
-                <a:cs typeface="Segoe UI" panose="020B0502040204020203" pitchFamily="34" charset="0"/>
-              </a:rPr>
-            </a:br>
-            <a:endParaRPr lang="en-US" sz="12500" dirty="0">
-              <a:solidFill>
-                <a:schemeClr val="bg1"/>
-              </a:solidFill>
-              <a:latin typeface="Lato" panose="020F0502020204030203" pitchFamily="34" charset="0"/>
-              <a:ea typeface="Roboto" panose="02000000000000000000" pitchFamily="2" charset="0"/>
-              <a:cs typeface="Segoe UI" panose="020B0502040204020203" pitchFamily="34" charset="0"/>
-            </a:endParaRPr>
+              <a:t>  Illustrative example — PSID Data</a:t>
+            </a:r>
           </a:p>
         </p:txBody>
       </p:sp>
@@ -3778,7 +3734,7 @@
         <p:spPr>
           <a:xfrm>
             <a:off x="299432" y="7905789"/>
-            <a:ext cx="13520628" cy="15306498"/>
+            <a:ext cx="13520628" cy="14641701"/>
           </a:xfrm>
           <a:prstGeom prst="rect">
             <a:avLst/>
@@ -3836,28 +3792,7 @@
                 <a:latin typeface="Lato" panose="020F0502020204030203" pitchFamily="34" charset="0"/>
                 <a:cs typeface="Segoe UI" panose="020B0502040204020203" pitchFamily="34" charset="0"/>
               </a:rPr>
-              <a:t>These datasets are also an invaluable source of information for researchers in fields such as demographics, medicine, psychology transportation, social science, economics</a:t>
-            </a:r>
-            <a:r>
-              <a:rPr lang="cs-CZ" sz="3600">
-                <a:latin typeface="Lato" panose="020F0502020204030203" pitchFamily="34" charset="0"/>
-                <a:cs typeface="Segoe UI" panose="020B0502040204020203" pitchFamily="34" charset="0"/>
-              </a:rPr>
-              <a:t> </a:t>
-            </a:r>
-            <a:r>
-              <a:rPr lang="en-US" sz="3600">
-                <a:latin typeface="Lato" panose="020F0502020204030203" pitchFamily="34" charset="0"/>
-                <a:cs typeface="Segoe UI" panose="020B0502040204020203" pitchFamily="34" charset="0"/>
-              </a:rPr>
-              <a:t>and </a:t>
-            </a:r>
-            <a:r>
-              <a:rPr lang="en-US" sz="3600" dirty="0">
-                <a:latin typeface="Lato" panose="020F0502020204030203" pitchFamily="34" charset="0"/>
-                <a:cs typeface="Segoe UI" panose="020B0502040204020203" pitchFamily="34" charset="0"/>
-              </a:rPr>
-              <a:t>many more.</a:t>
+              <a:t>These datasets are also invaluable sources of information for researchers in fields such as demographics, medicine, psychology, transportation, social science, economics, and many more.</a:t>
             </a:r>
           </a:p>
           <a:p>
@@ -3882,7 +3817,7 @@
                 <a:latin typeface="Lato" panose="020F0502020204030203" pitchFamily="34" charset="0"/>
                 <a:cs typeface="Segoe UI" panose="020B0502040204020203" pitchFamily="34" charset="0"/>
               </a:rPr>
-              <a:t>To bridge the gap, we can use these methods:</a:t>
+              <a:t>To enable dissemination,  we can use these methods:</a:t>
             </a:r>
           </a:p>
           <a:p>
@@ -3946,7 +3881,7 @@
                 <a:latin typeface="Lato" panose="020F0502020204030203" pitchFamily="34" charset="0"/>
                 <a:cs typeface="Segoe UI" panose="020B0502040204020203" pitchFamily="34" charset="0"/>
               </a:rPr>
-              <a:t>mimics the original data, </a:t>
+              <a:t>mimics the original data</a:t>
             </a:r>
           </a:p>
           <a:p>
@@ -4093,15 +4028,6 @@
               </a:rPr>
               <a:t>Public Health Example</a:t>
             </a:r>
-          </a:p>
-          <a:p>
-            <a:pPr marL="1028700" lvl="1" indent="-571500">
-              <a:lnSpc>
-                <a:spcPct val="120000"/>
-              </a:lnSpc>
-              <a:buFont typeface="Lato" panose="020F0502020204030203" pitchFamily="34" charset="0"/>
-              <a:buChar char="―"/>
-            </a:pPr>
             <a:endParaRPr lang="en-US" sz="3600" b="1" dirty="0">
               <a:latin typeface="Lato" panose="020F0502020204030203" pitchFamily="34" charset="0"/>
               <a:cs typeface="Segoe UI" panose="020B0502040204020203" pitchFamily="34" charset="0"/>
@@ -4138,7 +4064,7 @@
         <p:spPr>
           <a:xfrm>
             <a:off x="35967287" y="534018"/>
-            <a:ext cx="13299442" cy="23027842"/>
+            <a:ext cx="13299442" cy="20009324"/>
           </a:xfrm>
           <a:prstGeom prst="rect">
             <a:avLst/>
@@ -4165,7 +4091,7 @@
                 <a:latin typeface="Lato" panose="020F0502020204030203" pitchFamily="34" charset="0"/>
                 <a:cs typeface="Segoe UI" panose="020B0502040204020203" pitchFamily="34" charset="0"/>
               </a:rPr>
-              <a:t>A key concern with the disclosure of personal data is whether an attacker can gain any information about an individual.</a:t>
+              <a:t>A key concern with the disclosure of personal data is whether an attacker can gain any new information about an individual.</a:t>
             </a:r>
           </a:p>
           <a:p>
@@ -4180,11 +4106,18 @@
               <a:buChar char="Ø"/>
             </a:pPr>
             <a:r>
+              <a:rPr lang="en-US" sz="3600" b="1" dirty="0">
+                <a:latin typeface="Lato" panose="020F0502020204030203" pitchFamily="34" charset="0"/>
+                <a:cs typeface="Segoe UI" panose="020B0502040204020203" pitchFamily="34" charset="0"/>
+              </a:rPr>
+              <a:t>SDC</a:t>
+            </a:r>
+            <a:r>
               <a:rPr lang="en-US" sz="3600" dirty="0">
                 <a:latin typeface="Lato" panose="020F0502020204030203" pitchFamily="34" charset="0"/>
                 <a:cs typeface="Segoe UI" panose="020B0502040204020203" pitchFamily="34" charset="0"/>
               </a:rPr>
-              <a:t>SDC is traditional approach to protecting outputs</a:t>
+              <a:t> is traditional approach to protecting outputs</a:t>
             </a:r>
           </a:p>
           <a:p>
@@ -4196,11 +4129,18 @@
               <a:buChar char="―"/>
             </a:pPr>
             <a:r>
+              <a:rPr lang="en-US" sz="3600" b="1" dirty="0">
+                <a:latin typeface="Lato" panose="020F0502020204030203" pitchFamily="34" charset="0"/>
+                <a:cs typeface="Segoe UI" panose="020B0502040204020203" pitchFamily="34" charset="0"/>
+              </a:rPr>
+              <a:t>Non-perturbation methods </a:t>
+            </a:r>
+            <a:r>
               <a:rPr lang="en-US" sz="3600" dirty="0">
                 <a:latin typeface="Lato" panose="020F0502020204030203" pitchFamily="34" charset="0"/>
                 <a:cs typeface="Segoe UI" panose="020B0502040204020203" pitchFamily="34" charset="0"/>
               </a:rPr>
-              <a:t>Non-perturbation (reduce provided information)</a:t>
+              <a:t>(reduce provided information)</a:t>
             </a:r>
           </a:p>
           <a:p>
@@ -4216,7 +4156,7 @@
                 <a:latin typeface="Lato" panose="020F0502020204030203" pitchFamily="34" charset="0"/>
                 <a:cs typeface="Segoe UI" panose="020B0502040204020203" pitchFamily="34" charset="0"/>
               </a:rPr>
-              <a:t>Local suppression (delete highly risky information)</a:t>
+              <a:t>Local suppression (delete high-risk records)</a:t>
             </a:r>
           </a:p>
           <a:p>
@@ -4232,7 +4172,7 @@
                 <a:latin typeface="Lato" panose="020F0502020204030203" pitchFamily="34" charset="0"/>
                 <a:cs typeface="Segoe UI" panose="020B0502040204020203" pitchFamily="34" charset="0"/>
               </a:rPr>
-              <a:t>Re-coding (group detailed information into </a:t>
+              <a:t>Global recoding (create broader categories) </a:t>
             </a:r>
           </a:p>
           <a:p>
@@ -4244,11 +4184,18 @@
               <a:buChar char="―"/>
             </a:pPr>
             <a:r>
+              <a:rPr lang="en-US" sz="3600" b="1" dirty="0">
+                <a:latin typeface="Lato" panose="020F0502020204030203" pitchFamily="34" charset="0"/>
+                <a:cs typeface="Segoe UI" panose="020B0502040204020203" pitchFamily="34" charset="0"/>
+              </a:rPr>
+              <a:t>Perturbation methods </a:t>
+            </a:r>
+            <a:r>
               <a:rPr lang="en-US" sz="3600" dirty="0">
                 <a:latin typeface="Lato" panose="020F0502020204030203" pitchFamily="34" charset="0"/>
                 <a:cs typeface="Segoe UI" panose="020B0502040204020203" pitchFamily="34" charset="0"/>
               </a:rPr>
-              <a:t>Perturbation methods (modify data)</a:t>
+              <a:t>(modify data)</a:t>
             </a:r>
           </a:p>
           <a:p>
@@ -4264,7 +4211,7 @@
                 <a:latin typeface="Lato" panose="020F0502020204030203" pitchFamily="34" charset="0"/>
                 <a:cs typeface="Segoe UI" panose="020B0502040204020203" pitchFamily="34" charset="0"/>
               </a:rPr>
-              <a:t>Add noise</a:t>
+              <a:t>Noise masking</a:t>
             </a:r>
           </a:p>
           <a:p>
@@ -4280,7 +4227,7 @@
                 <a:latin typeface="Lato" panose="020F0502020204030203" pitchFamily="34" charset="0"/>
                 <a:cs typeface="Segoe UI" panose="020B0502040204020203" pitchFamily="34" charset="0"/>
               </a:rPr>
-              <a:t>Move data across regions</a:t>
+              <a:t>Record swapping</a:t>
             </a:r>
           </a:p>
           <a:p>
@@ -4296,7 +4243,7 @@
                 <a:latin typeface="Lato" panose="020F0502020204030203" pitchFamily="34" charset="0"/>
                 <a:cs typeface="Segoe UI" panose="020B0502040204020203" pitchFamily="34" charset="0"/>
               </a:rPr>
-              <a:t>Record swapping</a:t>
+              <a:t>Microaggregaation</a:t>
             </a:r>
           </a:p>
           <a:p>
@@ -4313,26 +4260,25 @@
             </a:endParaRPr>
           </a:p>
           <a:p>
+            <a:pPr>
+              <a:spcAft>
+                <a:spcPts val="1200"/>
+              </a:spcAft>
+            </a:pPr>
             <a:r>
               <a:rPr lang="en-US" sz="3600" b="1" dirty="0">
                 <a:latin typeface="Lato" panose="020F0502020204030203" pitchFamily="34" charset="0"/>
                 <a:cs typeface="Segoe UI" panose="020B0502040204020203" pitchFamily="34" charset="0"/>
               </a:rPr>
-              <a:t>Traditional methods of SDC alone are insufficient to protect longitudinal data</a:t>
+              <a:t>Traditional SDC methods alone are insufficient to protect longitudinal data</a:t>
             </a:r>
             <a:r>
               <a:rPr lang="en-US" sz="3600" dirty="0">
                 <a:latin typeface="Lato" panose="020F0502020204030203" pitchFamily="34" charset="0"/>
                 <a:cs typeface="Segoe UI" panose="020B0502040204020203" pitchFamily="34" charset="0"/>
               </a:rPr>
-              <a:t>. It is necessary to also use more modern approach.</a:t>
-            </a:r>
-          </a:p>
-          <a:p>
-            <a:endParaRPr lang="en-US" sz="3600" b="1" dirty="0">
-              <a:latin typeface="Lato" panose="020F0502020204030203" pitchFamily="34" charset="0"/>
-              <a:cs typeface="Segoe UI" panose="020B0502040204020203" pitchFamily="34" charset="0"/>
-            </a:endParaRPr>
+              <a:t>. It is necessary to also use a more modern approach.</a:t>
+            </a:r>
           </a:p>
           <a:p>
             <a:pPr marL="685800" indent="-685800">
@@ -4340,11 +4286,18 @@
               <a:buChar char="Ø"/>
             </a:pPr>
             <a:r>
+              <a:rPr lang="en-US" sz="3600" b="1" dirty="0">
+                <a:latin typeface="Lato" panose="020F0502020204030203" pitchFamily="34" charset="0"/>
+                <a:cs typeface="Segoe UI" panose="020B0502040204020203" pitchFamily="34" charset="0"/>
+              </a:rPr>
+              <a:t>Synthetic data </a:t>
+            </a:r>
+            <a:r>
               <a:rPr lang="en-US" sz="3600" dirty="0">
                 <a:latin typeface="Lato" panose="020F0502020204030203" pitchFamily="34" charset="0"/>
                 <a:cs typeface="Segoe UI" panose="020B0502040204020203" pitchFamily="34" charset="0"/>
               </a:rPr>
-              <a:t>Synthetic data — </a:t>
+              <a:t>— </a:t>
             </a:r>
             <a:r>
               <a:rPr lang="en-US" sz="3600" i="1" dirty="0">
@@ -4444,48 +4397,41 @@
             </a:endParaRPr>
           </a:p>
           <a:p>
-            <a:endParaRPr lang="en-US" sz="4800" dirty="0">
-              <a:latin typeface="Lato" panose="020F0502020204030203" pitchFamily="34" charset="0"/>
-              <a:cs typeface="Segoe UI" panose="020B0502040204020203" pitchFamily="34" charset="0"/>
-            </a:endParaRPr>
-          </a:p>
-          <a:p>
-            <a:endParaRPr lang="en-US" sz="4800" dirty="0">
-              <a:latin typeface="Lato" panose="020F0502020204030203" pitchFamily="34" charset="0"/>
-              <a:cs typeface="Segoe UI" panose="020B0502040204020203" pitchFamily="34" charset="0"/>
-            </a:endParaRPr>
-          </a:p>
-          <a:p>
-            <a:endParaRPr lang="en-US" sz="4800" dirty="0">
-              <a:latin typeface="Lato" panose="020F0502020204030203" pitchFamily="34" charset="0"/>
-              <a:cs typeface="Segoe UI" panose="020B0502040204020203" pitchFamily="34" charset="0"/>
-            </a:endParaRPr>
-          </a:p>
-          <a:p>
-            <a:endParaRPr lang="en-US" sz="4800" dirty="0">
-              <a:latin typeface="Lato" panose="020F0502020204030203" pitchFamily="34" charset="0"/>
-              <a:cs typeface="Segoe UI" panose="020B0502040204020203" pitchFamily="34" charset="0"/>
-            </a:endParaRPr>
-          </a:p>
-          <a:p>
-            <a:endParaRPr lang="en-US" sz="4800" dirty="0">
-              <a:latin typeface="Lato" panose="020F0502020204030203" pitchFamily="34" charset="0"/>
-              <a:cs typeface="Segoe UI" panose="020B0502040204020203" pitchFamily="34" charset="0"/>
-            </a:endParaRPr>
-          </a:p>
-          <a:p>
-            <a:endParaRPr lang="en-US" sz="4800" dirty="0">
-              <a:latin typeface="Lato" panose="020F0502020204030203" pitchFamily="34" charset="0"/>
-              <a:cs typeface="Segoe UI" panose="020B0502040204020203" pitchFamily="34" charset="0"/>
-            </a:endParaRPr>
-          </a:p>
-          <a:p>
-            <a:endParaRPr lang="en-US" sz="4800" dirty="0">
-              <a:latin typeface="Lato" panose="020F0502020204030203" pitchFamily="34" charset="0"/>
-              <a:cs typeface="Segoe UI" panose="020B0502040204020203" pitchFamily="34" charset="0"/>
-            </a:endParaRPr>
-          </a:p>
-          <a:p>
+            <a:pPr>
+              <a:spcAft>
+                <a:spcPts val="1200"/>
+              </a:spcAft>
+            </a:pPr>
+            <a:r>
+              <a:rPr lang="en-US" sz="3600" b="1" dirty="0">
+                <a:latin typeface="Lato" panose="020F0502020204030203" pitchFamily="34" charset="0"/>
+                <a:cs typeface="Segoe UI" panose="020B0502040204020203" pitchFamily="34" charset="0"/>
+              </a:rPr>
+              <a:t>In illustrative example, the synthesizer utilized the XGBoost algorithm, which was adapted for longitudinal data.</a:t>
+            </a:r>
+          </a:p>
+          <a:p>
+            <a:pPr marL="571500" indent="-571500">
+              <a:lnSpc>
+                <a:spcPct val="120000"/>
+              </a:lnSpc>
+              <a:buFont typeface="Wingdings" panose="05000000000000000000" pitchFamily="2" charset="2"/>
+              <a:buChar char="Ø"/>
+            </a:pPr>
+            <a:r>
+              <a:rPr lang="en-US" sz="3600" b="1" dirty="0">
+                <a:latin typeface="Lato" panose="020F0502020204030203" pitchFamily="34" charset="0"/>
+                <a:cs typeface="Segoe UI" panose="020B0502040204020203" pitchFamily="34" charset="0"/>
+              </a:rPr>
+              <a:t>XGBoost </a:t>
+            </a:r>
+            <a:r>
+              <a:rPr lang="en-US" sz="3600" dirty="0">
+                <a:latin typeface="Lato" panose="020F0502020204030203" pitchFamily="34" charset="0"/>
+                <a:cs typeface="Segoe UI" panose="020B0502040204020203" pitchFamily="34" charset="0"/>
+              </a:rPr>
+              <a:t>is a distributed, optimized gradient boosting system using an iterative decision tree algorithm, with each tree learning from the residuals of previous trees.</a:t>
+            </a:r>
             <a:endParaRPr lang="en-US" sz="4800" dirty="0">
               <a:latin typeface="Lato" panose="020F0502020204030203" pitchFamily="34" charset="0"/>
               <a:cs typeface="Segoe UI" panose="020B0502040204020203" pitchFamily="34" charset="0"/>
@@ -4756,7 +4702,21 @@
                 <a:latin typeface="Lato" panose="020F0502020204030203" pitchFamily="34" charset="0"/>
                 <a:cs typeface="Segoe UI" panose="020B0502040204020203" pitchFamily="34" charset="0"/>
               </a:rPr>
-              <a:t>- University of Applied Sciences Northwestern 	Switzerland</a:t>
+              <a:t>- University of Applied Sciences Northwestern      </a:t>
+            </a:r>
+          </a:p>
+          <a:p>
+            <a:pPr>
+              <a:lnSpc>
+                <a:spcPct val="120000"/>
+              </a:lnSpc>
+            </a:pPr>
+            <a:r>
+              <a:rPr lang="en-US" sz="3600" i="1" dirty="0">
+                <a:latin typeface="Lato" panose="020F0502020204030203" pitchFamily="34" charset="0"/>
+                <a:cs typeface="Segoe UI" panose="020B0502040204020203" pitchFamily="34" charset="0"/>
+              </a:rPr>
+              <a:t>   Switzerland</a:t>
             </a:r>
           </a:p>
           <a:p>
@@ -4789,8 +4749,8 @@
         </p:nvSpPr>
         <p:spPr>
           <a:xfrm>
-            <a:off x="484359" y="807463"/>
-            <a:ext cx="11900944" cy="2308324"/>
+            <a:off x="322746" y="481893"/>
+            <a:ext cx="13161314" cy="2554545"/>
           </a:xfrm>
           <a:prstGeom prst="rect">
             <a:avLst/>
@@ -4804,13 +4764,13 @@
           <a:lstStyle/>
           <a:p>
             <a:r>
-              <a:rPr lang="en-US" sz="7200" b="1" i="1" dirty="0">
+              <a:rPr lang="en-US" sz="8000" b="1" i="1" dirty="0">
                 <a:latin typeface="Lato" panose="020F0502020204030203" pitchFamily="34" charset="0"/>
                 <a:cs typeface="Segoe UI" panose="020B0502040204020203" pitchFamily="34" charset="0"/>
               </a:rPr>
               <a:t>Anonymization of longitudinal demographic data</a:t>
             </a:r>
-            <a:endParaRPr lang="en-US" sz="7200" i="1" dirty="0">
+            <a:endParaRPr lang="en-US" sz="8000" i="1" dirty="0">
               <a:latin typeface="Lato" panose="020F0502020204030203" pitchFamily="34" charset="0"/>
               <a:cs typeface="Segoe UI" panose="020B0502040204020203" pitchFamily="34" charset="0"/>
             </a:endParaRPr>
@@ -4832,7 +4792,7 @@
           <p:nvPr/>
         </p:nvPicPr>
         <p:blipFill rotWithShape="1">
-          <a:blip r:embed="rId5">
+          <a:blip r:embed="rId4">
             <a:extLst>
               <a:ext uri="{28A0092B-C50C-407E-A947-70E740481C1C}">
                 <a14:useLocalDpi xmlns:a14="http://schemas.microsoft.com/office/drawing/2010/main" val="0"/>
@@ -4881,7 +4841,7 @@
           <p:nvPr/>
         </p:nvPicPr>
         <p:blipFill>
-          <a:blip r:embed="rId6">
+          <a:blip r:embed="rId5">
             <a:extLst>
               <a:ext uri="{28A0092B-C50C-407E-A947-70E740481C1C}">
                 <a14:useLocalDpi xmlns:a14="http://schemas.microsoft.com/office/drawing/2010/main" val="0"/>
@@ -4917,7 +4877,7 @@
           <p:nvPr/>
         </p:nvPicPr>
         <p:blipFill rotWithShape="1">
-          <a:blip r:embed="rId7">
+          <a:blip r:embed="rId6">
             <a:extLst>
               <a:ext uri="{28A0092B-C50C-407E-A947-70E740481C1C}">
                 <a14:useLocalDpi xmlns:a14="http://schemas.microsoft.com/office/drawing/2010/main" val="0"/>
@@ -4952,7 +4912,7 @@
           <p:nvPr/>
         </p:nvPicPr>
         <p:blipFill>
-          <a:blip r:embed="rId8">
+          <a:blip r:embed="rId7">
             <a:extLst>
               <a:ext uri="{28A0092B-C50C-407E-A947-70E740481C1C}">
                 <a14:useLocalDpi xmlns:a14="http://schemas.microsoft.com/office/drawing/2010/main" val="0"/>
@@ -5115,7 +5075,7 @@
         </p:nvSpPr>
         <p:spPr>
           <a:xfrm>
-            <a:off x="25543982" y="26274687"/>
+            <a:off x="25232277" y="27762877"/>
             <a:ext cx="1256803" cy="2173929"/>
           </a:xfrm>
           <a:custGeom>
@@ -5516,7 +5476,7 @@
         </p:nvSpPr>
         <p:spPr>
           <a:xfrm>
-            <a:off x="27224947" y="26373621"/>
+            <a:off x="26913242" y="27861811"/>
             <a:ext cx="4284674" cy="1569660"/>
           </a:xfrm>
           <a:prstGeom prst="rect">
@@ -5596,7 +5556,7 @@
         </p:nvCxnSpPr>
         <p:spPr>
           <a:xfrm flipH="1">
-            <a:off x="24150808" y="27280984"/>
+            <a:off x="23839103" y="28769174"/>
             <a:ext cx="1297464" cy="0"/>
           </a:xfrm>
           <a:prstGeom prst="straightConnector1">
@@ -5640,7 +5600,7 @@
           <p:nvPr/>
         </p:nvPicPr>
         <p:blipFill>
-          <a:blip r:embed="rId9"/>
+          <a:blip r:embed="rId8"/>
           <a:stretch>
             <a:fillRect/>
           </a:stretch>
@@ -5675,7 +5635,7 @@
           <p:nvPr/>
         </p:nvPicPr>
         <p:blipFill rotWithShape="1">
-          <a:blip r:embed="rId10"/>
+          <a:blip r:embed="rId9"/>
           <a:srcRect l="19290"/>
           <a:stretch/>
         </p:blipFill>
@@ -5728,7 +5688,7 @@
                 <a:latin typeface="Lato" panose="020F0502020204030203" pitchFamily="34" charset="0"/>
                 <a:cs typeface="Lato" panose="020F0502020204030203" pitchFamily="34" charset="0"/>
               </a:rPr>
-              <a:t>Open health management system in Malawi.</a:t>
+              <a:t>Open health management system in Malawi</a:t>
             </a:r>
             <a:endParaRPr lang="en-US" sz="3600" dirty="0">
               <a:latin typeface="Lato" panose="020F0502020204030203" pitchFamily="34" charset="0"/>
@@ -5753,8 +5713,8 @@
         </p:nvSpPr>
         <p:spPr>
           <a:xfrm>
-            <a:off x="13820061" y="30708318"/>
-            <a:ext cx="21723064" cy="2173930"/>
+            <a:off x="13820061" y="30983572"/>
+            <a:ext cx="21723064" cy="1898675"/>
           </a:xfrm>
           <a:prstGeom prst="rect">
             <a:avLst/>
@@ -5790,7 +5750,7 @@
               </a:lnSpc>
             </a:pPr>
             <a:r>
-              <a:rPr lang="en-US" sz="10400" dirty="0">
+              <a:rPr lang="en-US" sz="9600" dirty="0">
                 <a:solidFill>
                   <a:schemeClr val="bg1"/>
                 </a:solidFill>
@@ -6074,7 +6034,7 @@
               <a:rPr lang="en-US" sz="3600" dirty="0">
                 <a:latin typeface="Lato" panose="020F0502020204030203" pitchFamily="34" charset="0"/>
                 <a:cs typeface="Segoe UI" panose="020B0502040204020203" pitchFamily="34" charset="0"/>
-                <a:hlinkClick r:id="rId11"/>
+                <a:hlinkClick r:id="rId10"/>
               </a:rPr>
               <a:t>Commission Recommendation (EU) 2018/790 on access to and preservation of scientific information</a:t>
             </a:r>
@@ -6100,7 +6060,7 @@
           <p:nvPr/>
         </p:nvPicPr>
         <p:blipFill>
-          <a:blip r:embed="rId12">
+          <a:blip r:embed="rId11">
             <a:extLst>
               <a:ext uri="{28A0092B-C50C-407E-A947-70E740481C1C}">
                 <a14:useLocalDpi xmlns:a14="http://schemas.microsoft.com/office/drawing/2010/main" val="0"/>
@@ -6136,7 +6096,7 @@
           <p:nvPr/>
         </p:nvPicPr>
         <p:blipFill>
-          <a:blip r:embed="rId13">
+          <a:blip r:embed="rId12">
             <a:extLst>
               <a:ext uri="{28A0092B-C50C-407E-A947-70E740481C1C}">
                 <a14:useLocalDpi xmlns:a14="http://schemas.microsoft.com/office/drawing/2010/main" val="0"/>
@@ -6172,7 +6132,7 @@
           <p:nvPr/>
         </p:nvPicPr>
         <p:blipFill rotWithShape="1">
-          <a:blip r:embed="rId14">
+          <a:blip r:embed="rId13">
             <a:extLst>
               <a:ext uri="{28A0092B-C50C-407E-A947-70E740481C1C}">
                 <a14:useLocalDpi xmlns:a14="http://schemas.microsoft.com/office/drawing/2010/main" val="0"/>
@@ -6184,8 +6144,264 @@
         </p:blipFill>
         <p:spPr>
           <a:xfrm>
-            <a:off x="150261" y="28825322"/>
+            <a:off x="251633" y="28872873"/>
             <a:ext cx="1936941" cy="1063623"/>
+          </a:xfrm>
+          <a:prstGeom prst="rect">
+            <a:avLst/>
+          </a:prstGeom>
+        </p:spPr>
+      </p:pic>
+      <p:cxnSp>
+        <p:nvCxnSpPr>
+          <p:cNvPr id="49" name="Přímá spojnice 48">
+            <a:extLst>
+              <a:ext uri="{FF2B5EF4-FFF2-40B4-BE49-F238E27FC236}">
+                <a16:creationId xmlns:a16="http://schemas.microsoft.com/office/drawing/2014/main" id="{98B8B092-BE19-877D-0DFB-92DB8E3935E9}"/>
+              </a:ext>
+            </a:extLst>
+          </p:cNvPr>
+          <p:cNvCxnSpPr>
+            <a:cxnSpLocks/>
+          </p:cNvCxnSpPr>
+          <p:nvPr/>
+        </p:nvCxnSpPr>
+        <p:spPr>
+          <a:xfrm>
+            <a:off x="13749634" y="1961625"/>
+            <a:ext cx="21897452" cy="0"/>
+          </a:xfrm>
+          <a:prstGeom prst="line">
+            <a:avLst/>
+          </a:prstGeom>
+          <a:ln w="76200">
+            <a:solidFill>
+              <a:schemeClr val="bg1"/>
+            </a:solidFill>
+          </a:ln>
+        </p:spPr>
+        <p:style>
+          <a:lnRef idx="1">
+            <a:schemeClr val="accent1"/>
+          </a:lnRef>
+          <a:fillRef idx="0">
+            <a:schemeClr val="accent1"/>
+          </a:fillRef>
+          <a:effectRef idx="0">
+            <a:schemeClr val="accent1"/>
+          </a:effectRef>
+          <a:fontRef idx="minor">
+            <a:schemeClr val="tx1"/>
+          </a:fontRef>
+        </p:style>
+      </p:cxnSp>
+      <p:pic>
+        <p:nvPicPr>
+          <p:cNvPr id="54" name="Obrázek 53">
+            <a:extLst>
+              <a:ext uri="{FF2B5EF4-FFF2-40B4-BE49-F238E27FC236}">
+                <a16:creationId xmlns:a16="http://schemas.microsoft.com/office/drawing/2014/main" id="{ACDA452C-CC4E-8409-3904-2651CF869194}"/>
+              </a:ext>
+            </a:extLst>
+          </p:cNvPr>
+          <p:cNvPicPr>
+            <a:picLocks noChangeAspect="1"/>
+          </p:cNvPicPr>
+          <p:nvPr/>
+        </p:nvPicPr>
+        <p:blipFill>
+          <a:blip r:embed="rId14"/>
+          <a:stretch>
+            <a:fillRect/>
+          </a:stretch>
+        </p:blipFill>
+        <p:spPr>
+          <a:xfrm>
+            <a:off x="35907232" y="20150749"/>
+            <a:ext cx="13095135" cy="6926353"/>
+          </a:xfrm>
+          <a:prstGeom prst="rect">
+            <a:avLst/>
+          </a:prstGeom>
+        </p:spPr>
+      </p:pic>
+      <p:sp>
+        <p:nvSpPr>
+          <p:cNvPr id="55" name="TextovéPole 54">
+            <a:extLst>
+              <a:ext uri="{FF2B5EF4-FFF2-40B4-BE49-F238E27FC236}">
+                <a16:creationId xmlns:a16="http://schemas.microsoft.com/office/drawing/2014/main" id="{9AC36303-059B-59B4-D019-97C60AAC88B3}"/>
+              </a:ext>
+            </a:extLst>
+          </p:cNvPr>
+          <p:cNvSpPr txBox="1"/>
+          <p:nvPr/>
+        </p:nvSpPr>
+        <p:spPr>
+          <a:xfrm>
+            <a:off x="47361729" y="26217937"/>
+            <a:ext cx="1905000" cy="923330"/>
+          </a:xfrm>
+          <a:prstGeom prst="rect">
+            <a:avLst/>
+          </a:prstGeom>
+          <a:noFill/>
+        </p:spPr>
+        <p:txBody>
+          <a:bodyPr wrap="square" rtlCol="0">
+            <a:spAutoFit/>
+          </a:bodyPr>
+          <a:lstStyle/>
+          <a:p>
+            <a:r>
+              <a:rPr lang="en-US" dirty="0"/>
+              <a:t>Source: (DOI) 10.1007/s10509-019-3602-4 </a:t>
+            </a:r>
+          </a:p>
+        </p:txBody>
+      </p:sp>
+      <p:sp>
+        <p:nvSpPr>
+          <p:cNvPr id="4" name="Title 4">
+            <a:extLst>
+              <a:ext uri="{FF2B5EF4-FFF2-40B4-BE49-F238E27FC236}">
+                <a16:creationId xmlns:a16="http://schemas.microsoft.com/office/drawing/2014/main" id="{7999B98F-2F3B-B3CB-13E2-4228B23755D6}"/>
+              </a:ext>
+            </a:extLst>
+          </p:cNvPr>
+          <p:cNvSpPr txBox="1">
+            <a:spLocks/>
+          </p:cNvSpPr>
+          <p:nvPr/>
+        </p:nvSpPr>
+        <p:spPr>
+          <a:xfrm>
+            <a:off x="14108938" y="2455927"/>
+            <a:ext cx="20789654" cy="1573235"/>
+          </a:xfrm>
+          <a:prstGeom prst="rect">
+            <a:avLst/>
+          </a:prstGeom>
+        </p:spPr>
+        <p:txBody>
+          <a:bodyPr vert="horz" lIns="91440" tIns="45720" rIns="91440" bIns="45720" rtlCol="0" anchor="t">
+            <a:noAutofit/>
+          </a:bodyPr>
+          <a:lstStyle>
+            <a:lvl1pPr algn="ctr" defTabSz="4389120" rtl="0" eaLnBrk="1" latinLnBrk="0" hangingPunct="1">
+              <a:lnSpc>
+                <a:spcPct val="90000"/>
+              </a:lnSpc>
+              <a:spcBef>
+                <a:spcPct val="0"/>
+              </a:spcBef>
+              <a:buNone/>
+              <a:defRPr sz="28800" kern="1200">
+                <a:solidFill>
+                  <a:schemeClr val="tx1"/>
+                </a:solidFill>
+                <a:latin typeface="+mj-lt"/>
+                <a:ea typeface="+mj-ea"/>
+                <a:cs typeface="+mj-cs"/>
+              </a:defRPr>
+            </a:lvl1pPr>
+          </a:lstStyle>
+          <a:p>
+            <a:pPr>
+              <a:lnSpc>
+                <a:spcPct val="100000"/>
+              </a:lnSpc>
+            </a:pPr>
+            <a:br>
+              <a:rPr lang="en-US" sz="1400" dirty="0">
+                <a:solidFill>
+                  <a:schemeClr val="bg1"/>
+                </a:solidFill>
+                <a:latin typeface="Lato Black" panose="020F0A02020204030203" pitchFamily="34" charset="0"/>
+                <a:ea typeface="Segoe UI Black" panose="020B0A02040204020203" pitchFamily="34" charset="0"/>
+                <a:cs typeface="Segoe UI" panose="020B0502040204020203" pitchFamily="34" charset="0"/>
+              </a:rPr>
+            </a:br>
+            <a:r>
+              <a:rPr lang="en-US" sz="4800" dirty="0">
+                <a:solidFill>
+                  <a:schemeClr val="bg1"/>
+                </a:solidFill>
+                <a:latin typeface="Lato Black" panose="020F0A02020204030203" pitchFamily="34" charset="0"/>
+                <a:ea typeface="Segoe UI Black" panose="020B0A02040204020203" pitchFamily="34" charset="0"/>
+                <a:cs typeface="Segoe UI" panose="020B0502040204020203" pitchFamily="34" charset="0"/>
+              </a:rPr>
+              <a:t> Original vs Synthetic variable AGE by Year</a:t>
+            </a:r>
+          </a:p>
+        </p:txBody>
+      </p:sp>
+      <p:pic>
+        <p:nvPicPr>
+          <p:cNvPr id="13" name="Obrázek 12" descr="Obsah obrázku snímek obrazovky, text, diagram&#10;&#10;Popis byl vytvořen automaticky">
+            <a:extLst>
+              <a:ext uri="{FF2B5EF4-FFF2-40B4-BE49-F238E27FC236}">
+                <a16:creationId xmlns:a16="http://schemas.microsoft.com/office/drawing/2014/main" id="{CF96212F-44CF-26F8-4EA5-071A7262FB5C}"/>
+              </a:ext>
+            </a:extLst>
+          </p:cNvPr>
+          <p:cNvPicPr>
+            <a:picLocks noChangeAspect="1"/>
+          </p:cNvPicPr>
+          <p:nvPr/>
+        </p:nvPicPr>
+        <p:blipFill>
+          <a:blip r:embed="rId15">
+            <a:extLst>
+              <a:ext uri="{28A0092B-C50C-407E-A947-70E740481C1C}">
+                <a14:useLocalDpi xmlns:a14="http://schemas.microsoft.com/office/drawing/2010/main" val="0"/>
+              </a:ext>
+            </a:extLst>
+          </a:blip>
+          <a:stretch>
+            <a:fillRect/>
+          </a:stretch>
+        </p:blipFill>
+        <p:spPr>
+          <a:xfrm>
+            <a:off x="16547617" y="3959403"/>
+            <a:ext cx="16282365" cy="11394897"/>
+          </a:xfrm>
+          <a:prstGeom prst="rect">
+            <a:avLst/>
+          </a:prstGeom>
+        </p:spPr>
+      </p:pic>
+      <p:pic>
+        <p:nvPicPr>
+          <p:cNvPr id="41" name="Obrázek 40" descr="Obsah obrázku snímek obrazovky, text, diagram, astronomie&#10;&#10;Popis byl vytvořen automaticky">
+            <a:extLst>
+              <a:ext uri="{FF2B5EF4-FFF2-40B4-BE49-F238E27FC236}">
+                <a16:creationId xmlns:a16="http://schemas.microsoft.com/office/drawing/2014/main" id="{131F6AFA-2A40-C3D9-B2B3-31904A29A6BE}"/>
+              </a:ext>
+            </a:extLst>
+          </p:cNvPr>
+          <p:cNvPicPr>
+            <a:picLocks noChangeAspect="1"/>
+          </p:cNvPicPr>
+          <p:nvPr/>
+        </p:nvPicPr>
+        <p:blipFill>
+          <a:blip r:embed="rId16">
+            <a:extLst>
+              <a:ext uri="{28A0092B-C50C-407E-A947-70E740481C1C}">
+                <a14:useLocalDpi xmlns:a14="http://schemas.microsoft.com/office/drawing/2010/main" val="0"/>
+              </a:ext>
+            </a:extLst>
+          </a:blip>
+          <a:stretch>
+            <a:fillRect/>
+          </a:stretch>
+        </p:blipFill>
+        <p:spPr>
+          <a:xfrm>
+            <a:off x="16307507" y="14935252"/>
+            <a:ext cx="16781705" cy="11744350"/>
           </a:xfrm>
           <a:prstGeom prst="rect">
             <a:avLst/>
@@ -6202,11 +6418,6 @@
   <p:clrMapOvr>
     <a:masterClrMapping/>
   </p:clrMapOvr>
-  <p:extLst>
-    <p:ext uri="{6950BFC3-D8DA-4A85-94F7-54DA5524770B}">
-      <p188:commentRel xmlns:p188="http://schemas.microsoft.com/office/powerpoint/2018/8/main" r:id="rId3"/>
-    </p:ext>
-  </p:extLst>
 </p:sld>
 </file>
 
